--- a/poster/pragmaticgraphite_36x24_v1.pptx
+++ b/poster/pragmaticgraphite_36x24_v1.pptx
@@ -4453,7 +4453,7 @@
         <p:spPr bwMode="auto">
           <a:xfrm>
             <a:off x="458839" y="5524364"/>
-            <a:ext cx="7200117" cy="317702"/>
+            <a:ext cx="7200117" cy="852014"/>
           </a:xfrm>
           <a:prstGeom prst="rect">
             <a:avLst/>
@@ -4603,13 +4603,26 @@
               </a:lnSpc>
             </a:pPr>
             <a:r>
+              <a:rPr lang="en-US" sz="1600" dirty="0">
+                <a:latin typeface="Lucida Sans" panose="020B0602030504020204" pitchFamily="34" charset="77"/>
+                <a:ea typeface="Open Sans" panose="020B0606030504020204" pitchFamily="34" charset="0"/>
+                <a:cs typeface="Open Sans" panose="020B0606030504020204" pitchFamily="34" charset="0"/>
+              </a:rPr>
+              <a:t>This project examines migration history data collected in southwestern Bangladesh provided by the Authors Amanda R. Carrico and </a:t>
+            </a:r>
+            <a:r>
               <a:rPr lang="en-US" sz="1600">
                 <a:latin typeface="Lucida Sans" panose="020B0602030504020204" pitchFamily="34" charset="77"/>
                 <a:ea typeface="Open Sans" panose="020B0606030504020204" pitchFamily="34" charset="0"/>
                 <a:cs typeface="Open Sans" panose="020B0606030504020204" pitchFamily="34" charset="0"/>
               </a:rPr>
-              <a:t>Add your information, graphs and images to this section.</a:t>
-            </a:r>
+              <a:t>Katharine Donato </a:t>
+            </a:r>
+            <a:endParaRPr lang="en-US" sz="1600" dirty="0">
+              <a:latin typeface="Lucida Sans" panose="020B0602030504020204" pitchFamily="34" charset="77"/>
+              <a:ea typeface="Open Sans" panose="020B0606030504020204" pitchFamily="34" charset="0"/>
+              <a:cs typeface="Open Sans" panose="020B0606030504020204" pitchFamily="34" charset="0"/>
+            </a:endParaRPr>
           </a:p>
         </p:txBody>
       </p:sp>
@@ -5882,28 +5895,6 @@
           </a:p>
         </p:txBody>
       </p:sp>
-      <p:pic>
-        <p:nvPicPr>
-          <p:cNvPr id="45" name="New picture"/>
-          <p:cNvPicPr/>
-          <p:nvPr/>
-        </p:nvPicPr>
-        <p:blipFill>
-          <a:blip r:embed="rId2"/>
-          <a:stretch>
-            <a:fillRect/>
-          </a:stretch>
-        </p:blipFill>
-        <p:spPr>
-          <a:xfrm>
-            <a:off x="6235700" y="3759200"/>
-            <a:ext cx="20459700" cy="14427200"/>
-          </a:xfrm>
-          <a:prstGeom prst="rect">
-            <a:avLst/>
-          </a:prstGeom>
-        </p:spPr>
-      </p:pic>
     </p:spTree>
   </p:cSld>
   <p:clrMapOvr>
